--- a/xxx-LogicAppsEnterpriseIntegration/Coach/Lectures.pptx
+++ b/xxx-LogicAppsEnterpriseIntegration/Coach/Lectures.pptx
@@ -10362,34 +10362,16 @@
               <a:defRPr/>
             </a:pPr>
             <a:r>
-              <a:rPr lang="en-US">
+              <a:rPr lang="en-US" dirty="0">
                 <a:solidFill>
                   <a:srgbClr val="000000"/>
                 </a:solidFill>
                 <a:latin typeface="Segoe UI"/>
               </a:rPr>
-              <a:t>Enterprise messaging </a:t>
-            </a:r>
-            <a:r>
-              <a:rPr lang="en-US" err="1">
-                <a:solidFill>
-                  <a:srgbClr val="000000"/>
-                </a:solidFill>
-                <a:latin typeface="Segoe UI"/>
-              </a:rPr>
-              <a:t>with</a:t>
-            </a:r>
-            <a:r>
-              <a:rPr lang="en-US">
-                <a:solidFill>
-                  <a:srgbClr val="000000"/>
-                </a:solidFill>
-                <a:latin typeface="Segoe UI"/>
-              </a:rPr>
-              <a:t> </a:t>
-            </a:r>
-            <a:r>
-              <a:rPr lang="en-US" b="1">
+              <a:t>Enterprise messaging with </a:t>
+            </a:r>
+            <a:r>
+              <a:rPr lang="en-US" b="1" dirty="0">
                 <a:solidFill>
                   <a:srgbClr val="000000"/>
                 </a:solidFill>
@@ -10408,7 +10390,7 @@
               </a:spcAft>
               <a:defRPr/>
             </a:pPr>
-            <a:endParaRPr lang="en-US">
+            <a:endParaRPr lang="en-US" dirty="0">
               <a:solidFill>
                 <a:srgbClr val="000000"/>
               </a:solidFill>
@@ -10425,7 +10407,7 @@
               </a:spcAft>
               <a:defRPr/>
             </a:pPr>
-            <a:endParaRPr lang="en-US">
+            <a:endParaRPr lang="en-US" dirty="0">
               <a:solidFill>
                 <a:srgbClr val="000000"/>
               </a:solidFill>
